--- a/CorabastosUnClick.pptx
+++ b/CorabastosUnClick.pptx
@@ -3295,11 +3295,7 @@
             <a:pPr algn="ctr"/>
             <a:r>
               <a:rPr lang="es-MX" sz="2000" b="1" dirty="0" smtClean="0"/>
-              <a:t>Muchos locales, millones de productos, poco tiempo e informaci</a:t>
-            </a:r>
-            <a:r>
-              <a:rPr lang="es-MX" sz="2000" b="1" dirty="0" smtClean="0"/>
-              <a:t>ón</a:t>
+              <a:t>Muchos locales, millones de productos, poco tiempo e información</a:t>
             </a:r>
             <a:endParaRPr lang="es-CO" sz="2000" b="1" dirty="0"/>
           </a:p>
@@ -3442,49 +3438,14 @@
       </p:sp>
       <p:sp>
         <p:nvSpPr>
-          <p:cNvPr id="3" name="2 CuadroTexto"/>
-          <p:cNvSpPr txBox="1"/>
-          <p:nvPr/>
-        </p:nvSpPr>
-        <p:spPr>
-          <a:xfrm>
-            <a:off x="147987" y="5795972"/>
-            <a:ext cx="8854219" cy="369332"/>
-          </a:xfrm>
-          <a:prstGeom prst="rect">
-            <a:avLst/>
-          </a:prstGeom>
-          <a:solidFill>
-            <a:schemeClr val="accent6">
-              <a:lumMod val="60000"/>
-              <a:lumOff val="40000"/>
-            </a:schemeClr>
-          </a:solidFill>
-        </p:spPr>
-        <p:txBody>
-          <a:bodyPr wrap="none" rtlCol="0">
-            <a:spAutoFit/>
-          </a:bodyPr>
-          <a:lstStyle/>
-          <a:p>
-            <a:r>
-              <a:rPr lang="es-MX" dirty="0" smtClean="0"/>
-              <a:t>1 minuto para presentar esta diapositiva. Borre este mensaje antes de hacer su presentación</a:t>
-            </a:r>
-            <a:endParaRPr lang="es-CO" dirty="0"/>
-          </a:p>
-        </p:txBody>
-      </p:sp>
-      <p:sp>
-        <p:nvSpPr>
           <p:cNvPr id="4" name="3 CuadroTexto"/>
           <p:cNvSpPr txBox="1"/>
           <p:nvPr/>
         </p:nvSpPr>
         <p:spPr>
           <a:xfrm>
-            <a:off x="611560" y="1556792"/>
-            <a:ext cx="7632848" cy="2308324"/>
+            <a:off x="755576" y="1455167"/>
+            <a:ext cx="7632848" cy="461665"/>
           </a:xfrm>
           <a:prstGeom prst="rect">
             <a:avLst/>
@@ -3497,38 +3458,16 @@
           </a:bodyPr>
           <a:lstStyle/>
           <a:p>
-            <a:r>
-              <a:rPr lang="es-MX" dirty="0" smtClean="0"/>
-              <a:t>Sugerencias: </a:t>
-            </a:r>
-          </a:p>
-          <a:p>
-            <a:pPr marL="342900" indent="-342900">
-              <a:buAutoNum type="arabicPeriod"/>
-            </a:pPr>
-            <a:r>
-              <a:rPr lang="es-MX" dirty="0"/>
-              <a:t>Utilice muy poco texto (los evaluadores le ponen atención o la presentación o al expositor, por eso las imágenes deben ser de soporte). Mejor aún si solo utiliza imágenes y una o dos palabras indicativa.</a:t>
-            </a:r>
-          </a:p>
-          <a:p>
-            <a:pPr marL="342900" indent="-342900">
-              <a:buAutoNum type="arabicPeriod"/>
-            </a:pPr>
-            <a:r>
-              <a:rPr lang="es-MX" dirty="0" smtClean="0"/>
-              <a:t>Explique los elementos de su idea que la hacen novedosa y que generan valor para resolver la problemática identificada.</a:t>
-            </a:r>
-          </a:p>
-          <a:p>
-            <a:pPr marL="342900" indent="-342900">
-              <a:buAutoNum type="arabicPeriod"/>
-            </a:pPr>
-            <a:r>
-              <a:rPr lang="es-MX" dirty="0" smtClean="0"/>
-              <a:t>Si su reto es de emprendimiento no olvide mencionar cómo se monetiza la aplicación (como va a obtener dinero con ésta).</a:t>
-            </a:r>
-            <a:endParaRPr lang="es-CO" dirty="0"/>
+            <a:pPr algn="ctr"/>
+            <a:r>
+              <a:rPr lang="es-MX" sz="2400" b="1" dirty="0" smtClean="0"/>
+              <a:t>Integraci</a:t>
+            </a:r>
+            <a:r>
+              <a:rPr lang="es-MX" sz="2400" b="1" dirty="0" smtClean="0"/>
+              <a:t>ón, información actualizada y personalización.</a:t>
+            </a:r>
+            <a:endParaRPr lang="es-CO" sz="2400" b="1" dirty="0"/>
           </a:p>
         </p:txBody>
       </p:sp>
@@ -3574,7 +3513,7 @@
         </p:nvSpPr>
         <p:spPr>
           <a:xfrm>
-            <a:off x="457200" y="2850634"/>
+            <a:off x="395536" y="692696"/>
             <a:ext cx="8229600" cy="1143000"/>
           </a:xfrm>
         </p:spPr>
@@ -3590,48 +3529,36 @@
           </a:p>
         </p:txBody>
       </p:sp>
-      <p:sp>
-        <p:nvSpPr>
-          <p:cNvPr id="3" name="2 CuadroTexto"/>
-          <p:cNvSpPr txBox="1"/>
+      <p:pic>
+        <p:nvPicPr>
+          <p:cNvPr id="4" name="Picture 3" descr="logo_odc.png"/>
+          <p:cNvPicPr>
+            <a:picLocks noChangeAspect="1"/>
+          </p:cNvPicPr>
           <p:nvPr/>
-        </p:nvSpPr>
+        </p:nvPicPr>
+        <p:blipFill>
+          <a:blip r:embed="rId2">
+            <a:extLst>
+              <a:ext uri="{28A0092B-C50C-407E-A947-70E740481C1C}">
+                <a14:useLocalDpi xmlns:a14="http://schemas.microsoft.com/office/drawing/2010/main" val="0"/>
+              </a:ext>
+            </a:extLst>
+          </a:blip>
+          <a:stretch>
+            <a:fillRect/>
+          </a:stretch>
+        </p:blipFill>
         <p:spPr>
           <a:xfrm>
-            <a:off x="922452" y="5795972"/>
-            <a:ext cx="7283661" cy="646331"/>
+            <a:off x="1979712" y="2780928"/>
+            <a:ext cx="6984776" cy="1881908"/>
           </a:xfrm>
           <a:prstGeom prst="rect">
             <a:avLst/>
           </a:prstGeom>
-          <a:solidFill>
-            <a:schemeClr val="accent6">
-              <a:lumMod val="60000"/>
-              <a:lumOff val="40000"/>
-            </a:schemeClr>
-          </a:solidFill>
         </p:spPr>
-        <p:txBody>
-          <a:bodyPr wrap="none" rtlCol="0">
-            <a:spAutoFit/>
-          </a:bodyPr>
-          <a:lstStyle/>
-          <a:p>
-            <a:r>
-              <a:rPr lang="es-MX" dirty="0" smtClean="0"/>
-              <a:t>Pase a mostrar la aplicación en los dispositivos para los cuales la desarrolló. </a:t>
-            </a:r>
-          </a:p>
-          <a:p>
-            <a:pPr algn="ctr"/>
-            <a:r>
-              <a:rPr lang="es-MX" dirty="0" smtClean="0"/>
-              <a:t>Le quedarán 3 minutos. Borre este mensaje antes de hacer su presentación</a:t>
-            </a:r>
-            <a:endParaRPr lang="es-CO" dirty="0"/>
-          </a:p>
-        </p:txBody>
-      </p:sp>
+      </p:pic>
     </p:spTree>
     <p:extLst>
       <p:ext uri="{BB962C8B-B14F-4D97-AF65-F5344CB8AC3E}">

--- a/CorabastosUnClick.pptx
+++ b/CorabastosUnClick.pptx
@@ -3279,7 +3279,7 @@
         <p:spPr>
           <a:xfrm>
             <a:off x="611560" y="1556792"/>
-            <a:ext cx="7992888" cy="400110"/>
+            <a:ext cx="4176464" cy="4154983"/>
           </a:xfrm>
           <a:prstGeom prst="rect">
             <a:avLst/>
@@ -3292,12 +3292,74 @@
           </a:bodyPr>
           <a:lstStyle/>
           <a:p>
-            <a:pPr algn="ctr"/>
-            <a:r>
-              <a:rPr lang="es-MX" sz="2000" b="1" dirty="0" smtClean="0"/>
-              <a:t>Muchos locales, millones de productos, poco tiempo e información</a:t>
-            </a:r>
-            <a:endParaRPr lang="es-CO" sz="2000" b="1" dirty="0"/>
+            <a:pPr marL="342900" indent="-342900">
+              <a:buFont typeface="Arial"/>
+              <a:buChar char="•"/>
+            </a:pPr>
+            <a:r>
+              <a:rPr lang="es-MX" sz="2400" b="1" dirty="0" smtClean="0"/>
+              <a:t>Dificil ubicaci</a:t>
+            </a:r>
+            <a:r>
+              <a:rPr lang="es-MX" sz="2400" b="1" dirty="0" smtClean="0"/>
+              <a:t>ón de locales, bodegas y productos.</a:t>
+            </a:r>
+          </a:p>
+          <a:p>
+            <a:pPr marL="342900" indent="-342900">
+              <a:buFont typeface="Arial"/>
+              <a:buChar char="•"/>
+            </a:pPr>
+            <a:r>
+              <a:rPr lang="en-US" sz="2400" b="1" dirty="0" smtClean="0"/>
+              <a:t>D</a:t>
+            </a:r>
+            <a:r>
+              <a:rPr lang="es-MX" sz="2400" b="1" dirty="0" smtClean="0"/>
+              <a:t>esconocimiento de los precios actuales.</a:t>
+            </a:r>
+          </a:p>
+          <a:p>
+            <a:pPr marL="342900" indent="-342900">
+              <a:buFont typeface="Arial"/>
+              <a:buChar char="•"/>
+            </a:pPr>
+            <a:r>
+              <a:rPr lang="en-US" sz="2400" b="1" dirty="0" smtClean="0"/>
+              <a:t>P</a:t>
+            </a:r>
+            <a:r>
+              <a:rPr lang="es-MX" sz="2400" b="1" dirty="0" smtClean="0"/>
+              <a:t>erdida de tiempo por falta de una planificación de compras adecuada.</a:t>
+            </a:r>
+          </a:p>
+          <a:p>
+            <a:pPr marL="342900" indent="-342900">
+              <a:buFont typeface="Arial"/>
+              <a:buChar char="•"/>
+            </a:pPr>
+            <a:r>
+              <a:rPr lang="en-US" sz="2400" b="1" dirty="0" smtClean="0"/>
+              <a:t>N</a:t>
+            </a:r>
+            <a:r>
+              <a:rPr lang="es-MX" sz="2400" b="1" dirty="0" smtClean="0"/>
+              <a:t>o existe forma de fidelizar clientes.</a:t>
+            </a:r>
+          </a:p>
+          <a:p>
+            <a:pPr marL="342900" indent="-342900">
+              <a:buFont typeface="Arial"/>
+              <a:buChar char="•"/>
+            </a:pPr>
+            <a:endParaRPr lang="es-MX" sz="2400" b="1" dirty="0" smtClean="0"/>
+          </a:p>
+          <a:p>
+            <a:pPr marL="342900" indent="-342900">
+              <a:buFont typeface="Arial"/>
+              <a:buChar char="•"/>
+            </a:pPr>
+            <a:endParaRPr lang="es-CO" sz="2400" b="1" dirty="0"/>
           </a:p>
         </p:txBody>
       </p:sp>
@@ -3323,8 +3385,8 @@
         </p:blipFill>
         <p:spPr>
           <a:xfrm>
-            <a:off x="251520" y="2852936"/>
-            <a:ext cx="3620120" cy="3746824"/>
+            <a:off x="6012160" y="1698400"/>
+            <a:ext cx="1950369" cy="2018632"/>
           </a:xfrm>
           <a:prstGeom prst="rect">
             <a:avLst/>
@@ -3365,8 +3427,8 @@
         </p:blipFill>
         <p:spPr>
           <a:xfrm>
-            <a:off x="3131840" y="2204864"/>
-            <a:ext cx="5752169" cy="2880320"/>
+            <a:off x="4932040" y="4077073"/>
+            <a:ext cx="4026519" cy="2016224"/>
           </a:xfrm>
           <a:prstGeom prst="rect">
             <a:avLst/>
@@ -3423,7 +3485,12 @@
             <p:ph type="title"/>
           </p:nvPr>
         </p:nvSpPr>
-        <p:spPr/>
+        <p:spPr>
+          <a:xfrm>
+            <a:off x="457200" y="-99392"/>
+            <a:ext cx="8229600" cy="1143000"/>
+          </a:xfrm>
+        </p:spPr>
         <p:txBody>
           <a:bodyPr/>
           <a:lstStyle/>
@@ -3444,8 +3511,8 @@
         </p:nvSpPr>
         <p:spPr>
           <a:xfrm>
-            <a:off x="755576" y="1455167"/>
-            <a:ext cx="7632848" cy="461665"/>
+            <a:off x="251520" y="980728"/>
+            <a:ext cx="5040560" cy="4893647"/>
           </a:xfrm>
           <a:prstGeom prst="rect">
             <a:avLst/>
@@ -3458,19 +3525,137 @@
           </a:bodyPr>
           <a:lstStyle/>
           <a:p>
-            <a:pPr algn="ctr"/>
+            <a:pPr marL="342900" indent="-342900">
+              <a:buFont typeface="Arial"/>
+              <a:buChar char="•"/>
+            </a:pPr>
+            <a:r>
+              <a:rPr lang="en-US" sz="2400" b="1" dirty="0" smtClean="0"/>
+              <a:t>I</a:t>
+            </a:r>
             <a:r>
               <a:rPr lang="es-MX" sz="2400" b="1" dirty="0" smtClean="0"/>
-              <a:t>Integraci</a:t>
+              <a:t>ntegrar la informaci</a:t>
             </a:r>
             <a:r>
               <a:rPr lang="es-MX" sz="2400" b="1" dirty="0" smtClean="0"/>
-              <a:t>ón, información actualizada y personalización.</a:t>
+              <a:t>ón de los locales y bodegas.</a:t>
+            </a:r>
+          </a:p>
+          <a:p>
+            <a:pPr marL="342900" indent="-342900">
+              <a:buFont typeface="Arial"/>
+              <a:buChar char="•"/>
+            </a:pPr>
+            <a:r>
+              <a:rPr lang="en-US" sz="2400" b="1" dirty="0" smtClean="0"/>
+              <a:t>C</a:t>
+            </a:r>
+            <a:r>
+              <a:rPr lang="es-MX" sz="2400" b="1" dirty="0" smtClean="0"/>
+              <a:t>riterios de calidad a través de calificaciónes realizadas por los usuarios.</a:t>
+            </a:r>
+            <a:endParaRPr lang="es-MX" sz="2400" b="1" dirty="0" smtClean="0"/>
+          </a:p>
+          <a:p>
+            <a:pPr marL="342900" indent="-342900">
+              <a:buFont typeface="Arial"/>
+              <a:buChar char="•"/>
+            </a:pPr>
+            <a:r>
+              <a:rPr lang="en-US" sz="2400" b="1" dirty="0" smtClean="0"/>
+              <a:t>F</a:t>
+            </a:r>
+            <a:r>
+              <a:rPr lang="es-MX" sz="2400" b="1" dirty="0" smtClean="0"/>
+              <a:t>acil ubicación y mayor fluidez de personas.</a:t>
+            </a:r>
+          </a:p>
+          <a:p>
+            <a:pPr marL="342900" indent="-342900">
+              <a:buFont typeface="Arial"/>
+              <a:buChar char="•"/>
+            </a:pPr>
+            <a:r>
+              <a:rPr lang="en-US" sz="2400" b="1" dirty="0" smtClean="0"/>
+              <a:t>L</a:t>
+            </a:r>
+            <a:r>
+              <a:rPr lang="es-MX" sz="2400" b="1" dirty="0" smtClean="0"/>
+              <a:t>istas de compras personalizadas desde el hogar y manejo de presupuesto.</a:t>
+            </a:r>
+          </a:p>
+          <a:p>
+            <a:pPr marL="342900" indent="-342900">
+              <a:buFont typeface="Arial"/>
+              <a:buChar char="•"/>
+            </a:pPr>
+            <a:r>
+              <a:rPr lang="en-US" sz="2400" b="1" dirty="0" smtClean="0"/>
+              <a:t>G</a:t>
+            </a:r>
+            <a:r>
+              <a:rPr lang="es-MX" sz="2400" b="1" dirty="0" smtClean="0"/>
+              <a:t>estión de clientes para el vendedor.</a:t>
+            </a:r>
+          </a:p>
+          <a:p>
+            <a:pPr marL="342900" indent="-342900">
+              <a:buFont typeface="Arial"/>
+              <a:buChar char="•"/>
+            </a:pPr>
+            <a:r>
+              <a:rPr lang="en-US" sz="2400" b="1" dirty="0" smtClean="0"/>
+              <a:t>U</a:t>
+            </a:r>
+            <a:r>
+              <a:rPr lang="es-MX" sz="2400" b="1" dirty="0" smtClean="0"/>
+              <a:t>ltimas noticias de interés.</a:t>
             </a:r>
             <a:endParaRPr lang="es-CO" sz="2400" b="1" dirty="0"/>
           </a:p>
         </p:txBody>
       </p:sp>
+      <p:pic>
+        <p:nvPicPr>
+          <p:cNvPr id="3" name="Picture 2" descr="2014-06-01 09.39.12.png"/>
+          <p:cNvPicPr>
+            <a:picLocks noChangeAspect="1"/>
+          </p:cNvPicPr>
+          <p:nvPr/>
+        </p:nvPicPr>
+        <p:blipFill>
+          <a:blip r:embed="rId2">
+            <a:extLst>
+              <a:ext uri="{28A0092B-C50C-407E-A947-70E740481C1C}">
+                <a14:useLocalDpi xmlns:a14="http://schemas.microsoft.com/office/drawing/2010/main" val="0"/>
+              </a:ext>
+            </a:extLst>
+          </a:blip>
+          <a:stretch>
+            <a:fillRect/>
+          </a:stretch>
+        </p:blipFill>
+        <p:spPr>
+          <a:xfrm>
+            <a:off x="5652120" y="1268760"/>
+            <a:ext cx="3150096" cy="4725144"/>
+          </a:xfrm>
+          <a:prstGeom prst="rect">
+            <a:avLst/>
+          </a:prstGeom>
+          <a:ln>
+            <a:noFill/>
+          </a:ln>
+          <a:effectLst>
+            <a:outerShdw blurRad="292100" dist="139700" dir="2700000" algn="tl" rotWithShape="0">
+              <a:srgbClr val="333333">
+                <a:alpha val="65000"/>
+              </a:srgbClr>
+            </a:outerShdw>
+          </a:effectLst>
+        </p:spPr>
+      </p:pic>
     </p:spTree>
     <p:extLst>
       <p:ext uri="{BB962C8B-B14F-4D97-AF65-F5344CB8AC3E}">

--- a/CorabastosUnClick.pptx
+++ b/CorabastosUnClick.pptx
@@ -10,9 +10,14 @@
     <p:sldId id="259" r:id="rId4"/>
     <p:sldId id="260" r:id="rId5"/>
     <p:sldId id="261" r:id="rId6"/>
-    <p:sldId id="262" r:id="rId7"/>
-    <p:sldId id="263" r:id="rId8"/>
-    <p:sldId id="264" r:id="rId9"/>
+    <p:sldId id="267" r:id="rId7"/>
+    <p:sldId id="268" r:id="rId8"/>
+    <p:sldId id="262" r:id="rId9"/>
+    <p:sldId id="263" r:id="rId10"/>
+    <p:sldId id="265" r:id="rId11"/>
+    <p:sldId id="266" r:id="rId12"/>
+    <p:sldId id="269" r:id="rId13"/>
+    <p:sldId id="264" r:id="rId14"/>
   </p:sldIdLst>
   <p:sldSz cx="9144000" cy="6858000" type="screen4x3"/>
   <p:notesSz cx="6858000" cy="9144000"/>
@@ -3230,6 +3235,441 @@
 </p:sld>
 </file>
 
+<file path=ppt/slides/slide10.xml><?xml version="1.0" encoding="utf-8"?>
+<p:sld xmlns:a="http://schemas.openxmlformats.org/drawingml/2006/main" xmlns:r="http://schemas.openxmlformats.org/officeDocument/2006/relationships" xmlns:p="http://schemas.openxmlformats.org/presentationml/2006/main">
+  <p:cSld>
+    <p:spTree>
+      <p:nvGrpSpPr>
+        <p:cNvPr id="1" name=""/>
+        <p:cNvGrpSpPr/>
+        <p:nvPr/>
+      </p:nvGrpSpPr>
+      <p:grpSpPr>
+        <a:xfrm>
+          <a:off x="0" y="0"/>
+          <a:ext cx="0" cy="0"/>
+          <a:chOff x="0" y="0"/>
+          <a:chExt cx="0" cy="0"/>
+        </a:xfrm>
+      </p:grpSpPr>
+      <p:sp>
+        <p:nvSpPr>
+          <p:cNvPr id="2" name="1 Título"/>
+          <p:cNvSpPr>
+            <a:spLocks noGrp="1"/>
+          </p:cNvSpPr>
+          <p:nvPr>
+            <p:ph type="title"/>
+          </p:nvPr>
+        </p:nvSpPr>
+        <p:spPr/>
+        <p:txBody>
+          <a:bodyPr/>
+          <a:lstStyle/>
+          <a:p>
+            <a:r>
+              <a:rPr lang="es-MX" dirty="0" smtClean="0"/>
+              <a:t>Gesti</a:t>
+            </a:r>
+            <a:r>
+              <a:rPr lang="es-MX" dirty="0" smtClean="0"/>
+              <a:t>ón y registro de clientes</a:t>
+            </a:r>
+            <a:endParaRPr lang="es-CO" dirty="0"/>
+          </a:p>
+        </p:txBody>
+      </p:sp>
+      <p:pic>
+        <p:nvPicPr>
+          <p:cNvPr id="3" name="Picture 2" descr="2014-06-01 11.20.58.png"/>
+          <p:cNvPicPr>
+            <a:picLocks noChangeAspect="1"/>
+          </p:cNvPicPr>
+          <p:nvPr/>
+        </p:nvPicPr>
+        <p:blipFill>
+          <a:blip r:embed="rId2">
+            <a:extLst>
+              <a:ext uri="{28A0092B-C50C-407E-A947-70E740481C1C}">
+                <a14:useLocalDpi xmlns:a14="http://schemas.microsoft.com/office/drawing/2010/main" val="0"/>
+              </a:ext>
+            </a:extLst>
+          </a:blip>
+          <a:stretch>
+            <a:fillRect/>
+          </a:stretch>
+        </p:blipFill>
+        <p:spPr>
+          <a:xfrm>
+            <a:off x="1043608" y="1484784"/>
+            <a:ext cx="3198101" cy="4797152"/>
+          </a:xfrm>
+          <a:prstGeom prst="rect">
+            <a:avLst/>
+          </a:prstGeom>
+          <a:ln>
+            <a:noFill/>
+          </a:ln>
+          <a:effectLst>
+            <a:outerShdw blurRad="292100" dist="139700" dir="2700000" algn="tl" rotWithShape="0">
+              <a:srgbClr val="333333">
+                <a:alpha val="65000"/>
+              </a:srgbClr>
+            </a:outerShdw>
+          </a:effectLst>
+        </p:spPr>
+      </p:pic>
+      <p:pic>
+        <p:nvPicPr>
+          <p:cNvPr id="4" name="Picture 3" descr="2014-06-01 11.21.13.png"/>
+          <p:cNvPicPr>
+            <a:picLocks noChangeAspect="1"/>
+          </p:cNvPicPr>
+          <p:nvPr/>
+        </p:nvPicPr>
+        <p:blipFill>
+          <a:blip r:embed="rId3">
+            <a:extLst>
+              <a:ext uri="{28A0092B-C50C-407E-A947-70E740481C1C}">
+                <a14:useLocalDpi xmlns:a14="http://schemas.microsoft.com/office/drawing/2010/main" val="0"/>
+              </a:ext>
+            </a:extLst>
+          </a:blip>
+          <a:stretch>
+            <a:fillRect/>
+          </a:stretch>
+        </p:blipFill>
+        <p:spPr>
+          <a:xfrm>
+            <a:off x="5118315" y="1484784"/>
+            <a:ext cx="3198101" cy="4797152"/>
+          </a:xfrm>
+          <a:prstGeom prst="rect">
+            <a:avLst/>
+          </a:prstGeom>
+          <a:ln>
+            <a:noFill/>
+          </a:ln>
+          <a:effectLst>
+            <a:outerShdw blurRad="292100" dist="139700" dir="2700000" algn="tl" rotWithShape="0">
+              <a:srgbClr val="333333">
+                <a:alpha val="65000"/>
+              </a:srgbClr>
+            </a:outerShdw>
+          </a:effectLst>
+        </p:spPr>
+      </p:pic>
+    </p:spTree>
+    <p:extLst>
+      <p:ext uri="{BB962C8B-B14F-4D97-AF65-F5344CB8AC3E}">
+        <p14:creationId xmlns:p14="http://schemas.microsoft.com/office/powerpoint/2010/main" val="3185365204"/>
+      </p:ext>
+    </p:extLst>
+  </p:cSld>
+  <p:clrMapOvr>
+    <a:masterClrMapping/>
+  </p:clrMapOvr>
+</p:sld>
+</file>
+
+<file path=ppt/slides/slide11.xml><?xml version="1.0" encoding="utf-8"?>
+<p:sld xmlns:a="http://schemas.openxmlformats.org/drawingml/2006/main" xmlns:r="http://schemas.openxmlformats.org/officeDocument/2006/relationships" xmlns:p="http://schemas.openxmlformats.org/presentationml/2006/main">
+  <p:cSld>
+    <p:spTree>
+      <p:nvGrpSpPr>
+        <p:cNvPr id="1" name=""/>
+        <p:cNvGrpSpPr/>
+        <p:nvPr/>
+      </p:nvGrpSpPr>
+      <p:grpSpPr>
+        <a:xfrm>
+          <a:off x="0" y="0"/>
+          <a:ext cx="0" cy="0"/>
+          <a:chOff x="0" y="0"/>
+          <a:chExt cx="0" cy="0"/>
+        </a:xfrm>
+      </p:grpSpPr>
+      <p:sp>
+        <p:nvSpPr>
+          <p:cNvPr id="2" name="1 Título"/>
+          <p:cNvSpPr>
+            <a:spLocks noGrp="1"/>
+          </p:cNvSpPr>
+          <p:nvPr>
+            <p:ph type="title"/>
+          </p:nvPr>
+        </p:nvSpPr>
+        <p:spPr/>
+        <p:txBody>
+          <a:bodyPr/>
+          <a:lstStyle/>
+          <a:p>
+            <a:r>
+              <a:rPr lang="es-MX" dirty="0" smtClean="0"/>
+              <a:t>Noticias de inter</a:t>
+            </a:r>
+            <a:r>
+              <a:rPr lang="es-MX" dirty="0" smtClean="0"/>
+              <a:t>és</a:t>
+            </a:r>
+            <a:endParaRPr lang="es-CO" dirty="0"/>
+          </a:p>
+        </p:txBody>
+      </p:sp>
+      <p:pic>
+        <p:nvPicPr>
+          <p:cNvPr id="3" name="Picture 2" descr="2014-06-01 11.21.34.png"/>
+          <p:cNvPicPr>
+            <a:picLocks noChangeAspect="1"/>
+          </p:cNvPicPr>
+          <p:nvPr/>
+        </p:nvPicPr>
+        <p:blipFill>
+          <a:blip r:embed="rId2">
+            <a:extLst>
+              <a:ext uri="{28A0092B-C50C-407E-A947-70E740481C1C}">
+                <a14:useLocalDpi xmlns:a14="http://schemas.microsoft.com/office/drawing/2010/main" val="0"/>
+              </a:ext>
+            </a:extLst>
+          </a:blip>
+          <a:stretch>
+            <a:fillRect/>
+          </a:stretch>
+        </p:blipFill>
+        <p:spPr>
+          <a:xfrm>
+            <a:off x="2915816" y="1484784"/>
+            <a:ext cx="3342117" cy="5013176"/>
+          </a:xfrm>
+          <a:prstGeom prst="rect">
+            <a:avLst/>
+          </a:prstGeom>
+          <a:ln>
+            <a:noFill/>
+          </a:ln>
+          <a:effectLst>
+            <a:outerShdw blurRad="292100" dist="139700" dir="2700000" algn="tl" rotWithShape="0">
+              <a:srgbClr val="333333">
+                <a:alpha val="65000"/>
+              </a:srgbClr>
+            </a:outerShdw>
+          </a:effectLst>
+        </p:spPr>
+      </p:pic>
+    </p:spTree>
+    <p:extLst>
+      <p:ext uri="{BB962C8B-B14F-4D97-AF65-F5344CB8AC3E}">
+        <p14:creationId xmlns:p14="http://schemas.microsoft.com/office/powerpoint/2010/main" val="2057098995"/>
+      </p:ext>
+    </p:extLst>
+  </p:cSld>
+  <p:clrMapOvr>
+    <a:masterClrMapping/>
+  </p:clrMapOvr>
+</p:sld>
+</file>
+
+<file path=ppt/slides/slide12.xml><?xml version="1.0" encoding="utf-8"?>
+<p:sld xmlns:a="http://schemas.openxmlformats.org/drawingml/2006/main" xmlns:r="http://schemas.openxmlformats.org/officeDocument/2006/relationships" xmlns:p="http://schemas.openxmlformats.org/presentationml/2006/main">
+  <p:cSld>
+    <p:spTree>
+      <p:nvGrpSpPr>
+        <p:cNvPr id="1" name=""/>
+        <p:cNvGrpSpPr/>
+        <p:nvPr/>
+      </p:nvGrpSpPr>
+      <p:grpSpPr>
+        <a:xfrm>
+          <a:off x="0" y="0"/>
+          <a:ext cx="0" cy="0"/>
+          <a:chOff x="0" y="0"/>
+          <a:chExt cx="0" cy="0"/>
+        </a:xfrm>
+      </p:grpSpPr>
+      <p:sp>
+        <p:nvSpPr>
+          <p:cNvPr id="2" name="1 Título"/>
+          <p:cNvSpPr>
+            <a:spLocks noGrp="1"/>
+          </p:cNvSpPr>
+          <p:nvPr>
+            <p:ph type="title"/>
+          </p:nvPr>
+        </p:nvSpPr>
+        <p:spPr/>
+        <p:txBody>
+          <a:bodyPr/>
+          <a:lstStyle/>
+          <a:p>
+            <a:r>
+              <a:rPr lang="en-US" dirty="0" err="1" smtClean="0"/>
+              <a:t>Preguntas</a:t>
+            </a:r>
+            <a:r>
+              <a:rPr lang="en-US" dirty="0" smtClean="0"/>
+              <a:t> </a:t>
+            </a:r>
+            <a:r>
+              <a:rPr lang="en-US" dirty="0" err="1" smtClean="0"/>
+              <a:t>frecuentes</a:t>
+            </a:r>
+            <a:endParaRPr lang="es-CO" dirty="0"/>
+          </a:p>
+        </p:txBody>
+      </p:sp>
+      <p:pic>
+        <p:nvPicPr>
+          <p:cNvPr id="4" name="Picture 3" descr="2014-06-01 11.21.21.png"/>
+          <p:cNvPicPr>
+            <a:picLocks noChangeAspect="1"/>
+          </p:cNvPicPr>
+          <p:nvPr/>
+        </p:nvPicPr>
+        <p:blipFill>
+          <a:blip r:embed="rId2">
+            <a:extLst>
+              <a:ext uri="{28A0092B-C50C-407E-A947-70E740481C1C}">
+                <a14:useLocalDpi xmlns:a14="http://schemas.microsoft.com/office/drawing/2010/main" val="0"/>
+              </a:ext>
+            </a:extLst>
+          </a:blip>
+          <a:stretch>
+            <a:fillRect/>
+          </a:stretch>
+        </p:blipFill>
+        <p:spPr>
+          <a:xfrm>
+            <a:off x="3203848" y="1656184"/>
+            <a:ext cx="3054085" cy="4581128"/>
+          </a:xfrm>
+          <a:prstGeom prst="rect">
+            <a:avLst/>
+          </a:prstGeom>
+          <a:ln>
+            <a:noFill/>
+          </a:ln>
+          <a:effectLst>
+            <a:outerShdw blurRad="292100" dist="139700" dir="2700000" algn="tl" rotWithShape="0">
+              <a:srgbClr val="333333">
+                <a:alpha val="65000"/>
+              </a:srgbClr>
+            </a:outerShdw>
+          </a:effectLst>
+        </p:spPr>
+      </p:pic>
+    </p:spTree>
+    <p:extLst>
+      <p:ext uri="{BB962C8B-B14F-4D97-AF65-F5344CB8AC3E}">
+        <p14:creationId xmlns:p14="http://schemas.microsoft.com/office/powerpoint/2010/main" val="837837869"/>
+      </p:ext>
+    </p:extLst>
+  </p:cSld>
+  <p:clrMapOvr>
+    <a:masterClrMapping/>
+  </p:clrMapOvr>
+</p:sld>
+</file>
+
+<file path=ppt/slides/slide13.xml><?xml version="1.0" encoding="utf-8"?>
+<p:sld xmlns:a="http://schemas.openxmlformats.org/drawingml/2006/main" xmlns:r="http://schemas.openxmlformats.org/officeDocument/2006/relationships" xmlns:p="http://schemas.openxmlformats.org/presentationml/2006/main">
+  <p:cSld>
+    <p:spTree>
+      <p:nvGrpSpPr>
+        <p:cNvPr id="1" name=""/>
+        <p:cNvGrpSpPr/>
+        <p:nvPr/>
+      </p:nvGrpSpPr>
+      <p:grpSpPr>
+        <a:xfrm>
+          <a:off x="0" y="0"/>
+          <a:ext cx="0" cy="0"/>
+          <a:chOff x="0" y="0"/>
+          <a:chExt cx="0" cy="0"/>
+        </a:xfrm>
+      </p:grpSpPr>
+      <p:sp>
+        <p:nvSpPr>
+          <p:cNvPr id="2" name="1 Título"/>
+          <p:cNvSpPr>
+            <a:spLocks noGrp="1"/>
+          </p:cNvSpPr>
+          <p:nvPr>
+            <p:ph type="title"/>
+          </p:nvPr>
+        </p:nvSpPr>
+        <p:spPr>
+          <a:xfrm>
+            <a:off x="467544" y="1700808"/>
+            <a:ext cx="8229600" cy="1143000"/>
+          </a:xfrm>
+        </p:spPr>
+        <p:txBody>
+          <a:bodyPr>
+            <a:normAutofit fontScale="90000"/>
+          </a:bodyPr>
+          <a:lstStyle/>
+          <a:p>
+            <a:r>
+              <a:rPr lang="es-MX" dirty="0" smtClean="0"/>
+              <a:t>MUCHAS GRACIAS</a:t>
+            </a:r>
+            <a:br>
+              <a:rPr lang="es-MX" dirty="0" smtClean="0"/>
+            </a:br>
+            <a:r>
+              <a:rPr lang="es-MX" dirty="0"/>
+              <a:t/>
+            </a:r>
+            <a:br>
+              <a:rPr lang="es-MX" dirty="0"/>
+            </a:br>
+            <a:endParaRPr lang="es-CO" dirty="0"/>
+          </a:p>
+        </p:txBody>
+      </p:sp>
+      <p:pic>
+        <p:nvPicPr>
+          <p:cNvPr id="4" name="Picture 3" descr="logo_odc.png"/>
+          <p:cNvPicPr>
+            <a:picLocks noChangeAspect="1"/>
+          </p:cNvPicPr>
+          <p:nvPr/>
+        </p:nvPicPr>
+        <p:blipFill>
+          <a:blip r:embed="rId2">
+            <a:extLst>
+              <a:ext uri="{28A0092B-C50C-407E-A947-70E740481C1C}">
+                <a14:useLocalDpi xmlns:a14="http://schemas.microsoft.com/office/drawing/2010/main" val="0"/>
+              </a:ext>
+            </a:extLst>
+          </a:blip>
+          <a:stretch>
+            <a:fillRect/>
+          </a:stretch>
+        </p:blipFill>
+        <p:spPr>
+          <a:xfrm>
+            <a:off x="1979712" y="2780928"/>
+            <a:ext cx="6984776" cy="1881908"/>
+          </a:xfrm>
+          <a:prstGeom prst="rect">
+            <a:avLst/>
+          </a:prstGeom>
+        </p:spPr>
+      </p:pic>
+    </p:spTree>
+    <p:extLst>
+      <p:ext uri="{BB962C8B-B14F-4D97-AF65-F5344CB8AC3E}">
+        <p14:creationId xmlns:p14="http://schemas.microsoft.com/office/powerpoint/2010/main" val="3993334498"/>
+      </p:ext>
+    </p:extLst>
+  </p:cSld>
+  <p:clrMapOvr>
+    <a:masterClrMapping/>
+  </p:clrMapOvr>
+</p:sld>
+</file>
+
 <file path=ppt/slides/slide2.xml><?xml version="1.0" encoding="utf-8"?>
 <p:sld xmlns:a="http://schemas.openxmlformats.org/drawingml/2006/main" xmlns:r="http://schemas.openxmlformats.org/officeDocument/2006/relationships" xmlns:p="http://schemas.openxmlformats.org/presentationml/2006/main">
   <p:cSld>
@@ -3786,114 +4226,63 @@
         </p:nvSpPr>
         <p:spPr/>
         <p:txBody>
-          <a:bodyPr/>
+          <a:bodyPr>
+            <a:normAutofit fontScale="90000"/>
+          </a:bodyPr>
           <a:lstStyle/>
           <a:p>
             <a:r>
               <a:rPr lang="es-MX" dirty="0" smtClean="0"/>
-              <a:t>La solución que elaboramos </a:t>
-            </a:r>
-            <a:r>
-              <a:rPr lang="es-MX" sz="2000" dirty="0" smtClean="0"/>
-              <a:t>1/3</a:t>
+              <a:t>Consulta de ficha t</a:t>
+            </a:r>
+            <a:r>
+              <a:rPr lang="es-MX" dirty="0" smtClean="0"/>
+              <a:t>écnica de frutas y productos</a:t>
             </a:r>
             <a:endParaRPr lang="es-CO" dirty="0"/>
           </a:p>
         </p:txBody>
       </p:sp>
-      <p:sp>
-        <p:nvSpPr>
-          <p:cNvPr id="3" name="2 CuadroTexto"/>
-          <p:cNvSpPr txBox="1"/>
+      <p:pic>
+        <p:nvPicPr>
+          <p:cNvPr id="7" name="Picture 6" descr="2014-06-01 11.26.13.png"/>
+          <p:cNvPicPr>
+            <a:picLocks noChangeAspect="1"/>
+          </p:cNvPicPr>
           <p:nvPr/>
-        </p:nvSpPr>
+        </p:nvPicPr>
+        <p:blipFill>
+          <a:blip r:embed="rId2">
+            <a:extLst>
+              <a:ext uri="{28A0092B-C50C-407E-A947-70E740481C1C}">
+                <a14:useLocalDpi xmlns:a14="http://schemas.microsoft.com/office/drawing/2010/main" val="0"/>
+              </a:ext>
+            </a:extLst>
+          </a:blip>
+          <a:stretch>
+            <a:fillRect/>
+          </a:stretch>
+        </p:blipFill>
         <p:spPr>
           <a:xfrm>
-            <a:off x="1403648" y="5795972"/>
-            <a:ext cx="6304162" cy="923330"/>
+            <a:off x="2915816" y="1628800"/>
+            <a:ext cx="3294112" cy="4941168"/>
           </a:xfrm>
           <a:prstGeom prst="rect">
             <a:avLst/>
           </a:prstGeom>
-          <a:solidFill>
-            <a:schemeClr val="accent6">
-              <a:lumMod val="60000"/>
-              <a:lumOff val="40000"/>
-            </a:schemeClr>
-          </a:solidFill>
+          <a:ln>
+            <a:noFill/>
+          </a:ln>
+          <a:effectLst>
+            <a:outerShdw blurRad="292100" dist="139700" dir="2700000" algn="tl" rotWithShape="0">
+              <a:srgbClr val="333333">
+                <a:alpha val="65000"/>
+              </a:srgbClr>
+            </a:outerShdw>
+          </a:effectLst>
         </p:spPr>
-        <p:txBody>
-          <a:bodyPr wrap="none" rtlCol="0">
-            <a:spAutoFit/>
-          </a:bodyPr>
-          <a:lstStyle/>
-          <a:p>
-            <a:pPr algn="ctr"/>
-            <a:r>
-              <a:rPr lang="es-MX" dirty="0" smtClean="0"/>
-              <a:t>Tenga lista esta parte de la presentación por si resulta ganador. </a:t>
-            </a:r>
-          </a:p>
-          <a:p>
-            <a:pPr algn="ctr"/>
-            <a:r>
-              <a:rPr lang="es-MX" dirty="0" smtClean="0"/>
-              <a:t>IMPORTANTE: NO LA USE DURANTE EL PROCESO DE EVALUACIÓN.</a:t>
-            </a:r>
-          </a:p>
-          <a:p>
-            <a:pPr algn="ctr"/>
-            <a:r>
-              <a:rPr lang="es-MX" dirty="0" smtClean="0"/>
-              <a:t>Borre este mensaje antes de hacer su presentación</a:t>
-            </a:r>
-            <a:endParaRPr lang="es-CO" dirty="0"/>
-          </a:p>
-        </p:txBody>
-      </p:sp>
-      <p:sp>
-        <p:nvSpPr>
-          <p:cNvPr id="4" name="3 CuadroTexto"/>
-          <p:cNvSpPr txBox="1"/>
-          <p:nvPr/>
-        </p:nvSpPr>
-        <p:spPr>
-          <a:xfrm>
-            <a:off x="611560" y="1556792"/>
-            <a:ext cx="7632848" cy="646331"/>
-          </a:xfrm>
-          <a:prstGeom prst="rect">
-            <a:avLst/>
-          </a:prstGeom>
-          <a:noFill/>
-        </p:spPr>
-        <p:txBody>
-          <a:bodyPr wrap="square" rtlCol="0">
-            <a:spAutoFit/>
-          </a:bodyPr>
-          <a:lstStyle/>
-          <a:p>
-            <a:r>
-              <a:rPr lang="es-MX" dirty="0" smtClean="0"/>
-              <a:t>Sugerencias: </a:t>
-            </a:r>
-          </a:p>
-          <a:p>
-            <a:pPr marL="342900" indent="-342900">
-              <a:buAutoNum type="arabicPeriod"/>
-            </a:pPr>
-            <a:r>
-              <a:rPr lang="es-MX" dirty="0"/>
-              <a:t>Utilice </a:t>
-            </a:r>
-            <a:r>
-              <a:rPr lang="es-MX" dirty="0" smtClean="0"/>
-              <a:t>imágenes de su aplicación que le sirvan para presentar el desarrollo.</a:t>
-            </a:r>
-            <a:endParaRPr lang="es-MX" dirty="0"/>
-          </a:p>
-        </p:txBody>
-      </p:sp>
+      </p:pic>
     </p:spTree>
     <p:extLst>
       <p:ext uri="{BB962C8B-B14F-4D97-AF65-F5344CB8AC3E}">
@@ -3941,113 +4330,100 @@
           <a:p>
             <a:r>
               <a:rPr lang="es-MX" dirty="0" smtClean="0"/>
-              <a:t>La solución que elaboramos </a:t>
-            </a:r>
-            <a:r>
-              <a:rPr lang="es-MX" sz="2000" dirty="0" smtClean="0"/>
-              <a:t>2/3</a:t>
+              <a:t>Consulta de locales y calificaci</a:t>
+            </a:r>
+            <a:r>
+              <a:rPr lang="es-MX" dirty="0" smtClean="0"/>
+              <a:t>ón</a:t>
             </a:r>
             <a:endParaRPr lang="es-CO" dirty="0"/>
           </a:p>
         </p:txBody>
       </p:sp>
-      <p:sp>
-        <p:nvSpPr>
-          <p:cNvPr id="4" name="3 CuadroTexto"/>
-          <p:cNvSpPr txBox="1"/>
+      <p:pic>
+        <p:nvPicPr>
+          <p:cNvPr id="3" name="Picture 2" descr="2014-06-01 11.13.46.png"/>
+          <p:cNvPicPr>
+            <a:picLocks noChangeAspect="1"/>
+          </p:cNvPicPr>
           <p:nvPr/>
-        </p:nvSpPr>
+        </p:nvPicPr>
+        <p:blipFill>
+          <a:blip r:embed="rId2">
+            <a:extLst>
+              <a:ext uri="{28A0092B-C50C-407E-A947-70E740481C1C}">
+                <a14:useLocalDpi xmlns:a14="http://schemas.microsoft.com/office/drawing/2010/main" val="0"/>
+              </a:ext>
+            </a:extLst>
+          </a:blip>
+          <a:stretch>
+            <a:fillRect/>
+          </a:stretch>
+        </p:blipFill>
         <p:spPr>
           <a:xfrm>
-            <a:off x="1403648" y="5795972"/>
-            <a:ext cx="6304162" cy="923330"/>
+            <a:off x="1187624" y="1412776"/>
+            <a:ext cx="3144349" cy="4716524"/>
           </a:xfrm>
           <a:prstGeom prst="rect">
             <a:avLst/>
           </a:prstGeom>
-          <a:solidFill>
-            <a:schemeClr val="accent6">
-              <a:lumMod val="60000"/>
-              <a:lumOff val="40000"/>
-            </a:schemeClr>
-          </a:solidFill>
+          <a:ln>
+            <a:noFill/>
+          </a:ln>
+          <a:effectLst>
+            <a:outerShdw blurRad="292100" dist="139700" dir="2700000" algn="tl" rotWithShape="0">
+              <a:srgbClr val="333333">
+                <a:alpha val="65000"/>
+              </a:srgbClr>
+            </a:outerShdw>
+          </a:effectLst>
         </p:spPr>
-        <p:txBody>
-          <a:bodyPr wrap="none" rtlCol="0">
-            <a:spAutoFit/>
-          </a:bodyPr>
-          <a:lstStyle/>
-          <a:p>
-            <a:pPr algn="ctr"/>
-            <a:r>
-              <a:rPr lang="es-MX" dirty="0" smtClean="0"/>
-              <a:t>Tenga lista esta parte de la presentación por si resulta ganador. </a:t>
-            </a:r>
-          </a:p>
-          <a:p>
-            <a:pPr algn="ctr"/>
-            <a:r>
-              <a:rPr lang="es-MX" dirty="0" smtClean="0"/>
-              <a:t>IMPORTANTE: NO LA USE DURANTE EL PROCESO DE EVALUACIÓN.</a:t>
-            </a:r>
-          </a:p>
-          <a:p>
-            <a:pPr algn="ctr"/>
-            <a:r>
-              <a:rPr lang="es-MX" dirty="0" smtClean="0"/>
-              <a:t>Borre este mensaje antes de hacer su presentación</a:t>
-            </a:r>
-            <a:endParaRPr lang="es-CO" dirty="0"/>
-          </a:p>
-        </p:txBody>
-      </p:sp>
-      <p:sp>
-        <p:nvSpPr>
-          <p:cNvPr id="5" name="4 CuadroTexto"/>
-          <p:cNvSpPr txBox="1"/>
+      </p:pic>
+      <p:pic>
+        <p:nvPicPr>
+          <p:cNvPr id="4" name="Picture 3" descr="2014-06-01 11.13.53.png"/>
+          <p:cNvPicPr>
+            <a:picLocks noChangeAspect="1"/>
+          </p:cNvPicPr>
           <p:nvPr/>
-        </p:nvSpPr>
+        </p:nvPicPr>
+        <p:blipFill>
+          <a:blip r:embed="rId3">
+            <a:extLst>
+              <a:ext uri="{28A0092B-C50C-407E-A947-70E740481C1C}">
+                <a14:useLocalDpi xmlns:a14="http://schemas.microsoft.com/office/drawing/2010/main" val="0"/>
+              </a:ext>
+            </a:extLst>
+          </a:blip>
+          <a:stretch>
+            <a:fillRect/>
+          </a:stretch>
+        </p:blipFill>
         <p:spPr>
           <a:xfrm>
-            <a:off x="611560" y="1556792"/>
-            <a:ext cx="7632848" cy="646331"/>
+            <a:off x="5148064" y="1412776"/>
+            <a:ext cx="3198101" cy="4797152"/>
           </a:xfrm>
           <a:prstGeom prst="rect">
             <a:avLst/>
           </a:prstGeom>
-          <a:noFill/>
+          <a:ln>
+            <a:noFill/>
+          </a:ln>
+          <a:effectLst>
+            <a:outerShdw blurRad="292100" dist="139700" dir="2700000" algn="tl" rotWithShape="0">
+              <a:srgbClr val="333333">
+                <a:alpha val="65000"/>
+              </a:srgbClr>
+            </a:outerShdw>
+          </a:effectLst>
         </p:spPr>
-        <p:txBody>
-          <a:bodyPr wrap="square" rtlCol="0">
-            <a:spAutoFit/>
-          </a:bodyPr>
-          <a:lstStyle/>
-          <a:p>
-            <a:r>
-              <a:rPr lang="es-MX" dirty="0" smtClean="0"/>
-              <a:t>Sugerencias: </a:t>
-            </a:r>
-          </a:p>
-          <a:p>
-            <a:pPr marL="342900" indent="-342900">
-              <a:buAutoNum type="arabicPeriod"/>
-            </a:pPr>
-            <a:r>
-              <a:rPr lang="es-MX" dirty="0"/>
-              <a:t>Utilice </a:t>
-            </a:r>
-            <a:r>
-              <a:rPr lang="es-MX" dirty="0" smtClean="0"/>
-              <a:t>imágenes de su aplicación que le sirvan para presentar el desarrollo.</a:t>
-            </a:r>
-            <a:endParaRPr lang="es-MX" dirty="0"/>
-          </a:p>
-        </p:txBody>
-      </p:sp>
+      </p:pic>
     </p:spTree>
     <p:extLst>
       <p:ext uri="{BB962C8B-B14F-4D97-AF65-F5344CB8AC3E}">
-        <p14:creationId xmlns:p14="http://schemas.microsoft.com/office/powerpoint/2010/main" val="3859499662"/>
+        <p14:creationId xmlns:p14="http://schemas.microsoft.com/office/powerpoint/2010/main" val="769238530"/>
       </p:ext>
     </p:extLst>
   </p:cSld>
@@ -4086,122 +4462,67 @@
         </p:nvSpPr>
         <p:spPr/>
         <p:txBody>
-          <a:bodyPr/>
+          <a:bodyPr>
+            <a:normAutofit fontScale="90000"/>
+          </a:bodyPr>
           <a:lstStyle/>
           <a:p>
             <a:r>
               <a:rPr lang="es-MX" dirty="0" smtClean="0"/>
-              <a:t>La solución que elaboramos </a:t>
-            </a:r>
-            <a:r>
-              <a:rPr lang="es-MX" sz="2000" dirty="0"/>
-              <a:t>3</a:t>
-            </a:r>
-            <a:r>
-              <a:rPr lang="es-MX" sz="2000" dirty="0" smtClean="0"/>
-              <a:t>/3</a:t>
+              <a:t>Visualizaci</a:t>
+            </a:r>
+            <a:r>
+              <a:rPr lang="es-MX" dirty="0" smtClean="0"/>
+              <a:t>ón de locales en el mapa de Corabastos</a:t>
             </a:r>
             <a:endParaRPr lang="es-CO" dirty="0"/>
           </a:p>
         </p:txBody>
       </p:sp>
-      <p:sp>
-        <p:nvSpPr>
-          <p:cNvPr id="4" name="3 CuadroTexto"/>
-          <p:cNvSpPr txBox="1"/>
+      <p:pic>
+        <p:nvPicPr>
+          <p:cNvPr id="3" name="Picture 2" descr="2014-06-01 11.14.02.png"/>
+          <p:cNvPicPr>
+            <a:picLocks noChangeAspect="1"/>
+          </p:cNvPicPr>
           <p:nvPr/>
-        </p:nvSpPr>
+        </p:nvPicPr>
+        <p:blipFill>
+          <a:blip r:embed="rId2">
+            <a:extLst>
+              <a:ext uri="{28A0092B-C50C-407E-A947-70E740481C1C}">
+                <a14:useLocalDpi xmlns:a14="http://schemas.microsoft.com/office/drawing/2010/main" val="0"/>
+              </a:ext>
+            </a:extLst>
+          </a:blip>
+          <a:stretch>
+            <a:fillRect/>
+          </a:stretch>
+        </p:blipFill>
         <p:spPr>
           <a:xfrm>
-            <a:off x="1403648" y="5795972"/>
-            <a:ext cx="6304162" cy="923330"/>
+            <a:off x="2915816" y="1520788"/>
+            <a:ext cx="3384376" cy="5076564"/>
           </a:xfrm>
           <a:prstGeom prst="rect">
             <a:avLst/>
           </a:prstGeom>
-          <a:solidFill>
-            <a:schemeClr val="accent6">
-              <a:lumMod val="60000"/>
-              <a:lumOff val="40000"/>
-            </a:schemeClr>
-          </a:solidFill>
+          <a:ln>
+            <a:noFill/>
+          </a:ln>
+          <a:effectLst>
+            <a:outerShdw blurRad="292100" dist="139700" dir="2700000" algn="tl" rotWithShape="0">
+              <a:srgbClr val="333333">
+                <a:alpha val="65000"/>
+              </a:srgbClr>
+            </a:outerShdw>
+          </a:effectLst>
         </p:spPr>
-        <p:txBody>
-          <a:bodyPr wrap="none" rtlCol="0">
-            <a:spAutoFit/>
-          </a:bodyPr>
-          <a:lstStyle/>
-          <a:p>
-            <a:pPr algn="ctr"/>
-            <a:r>
-              <a:rPr lang="es-MX" dirty="0" smtClean="0"/>
-              <a:t>Tenga lista esta parte de la presentación por si resulta ganador. </a:t>
-            </a:r>
-          </a:p>
-          <a:p>
-            <a:pPr algn="ctr"/>
-            <a:r>
-              <a:rPr lang="es-MX" dirty="0" smtClean="0"/>
-              <a:t>IMPORTANTE: NO LA USE DURANTE EL PROCESO DE EVALUACIÓN.</a:t>
-            </a:r>
-          </a:p>
-          <a:p>
-            <a:pPr algn="ctr"/>
-            <a:r>
-              <a:rPr lang="es-MX" dirty="0" smtClean="0"/>
-              <a:t>Borre este mensaje antes de hacer su presentación</a:t>
-            </a:r>
-            <a:endParaRPr lang="es-CO" dirty="0"/>
-          </a:p>
-        </p:txBody>
-      </p:sp>
-      <p:sp>
-        <p:nvSpPr>
-          <p:cNvPr id="5" name="4 CuadroTexto"/>
-          <p:cNvSpPr txBox="1"/>
-          <p:nvPr/>
-        </p:nvSpPr>
-        <p:spPr>
-          <a:xfrm>
-            <a:off x="611560" y="1556792"/>
-            <a:ext cx="7632848" cy="646331"/>
-          </a:xfrm>
-          <a:prstGeom prst="rect">
-            <a:avLst/>
-          </a:prstGeom>
-          <a:noFill/>
-        </p:spPr>
-        <p:txBody>
-          <a:bodyPr wrap="square" rtlCol="0">
-            <a:spAutoFit/>
-          </a:bodyPr>
-          <a:lstStyle/>
-          <a:p>
-            <a:r>
-              <a:rPr lang="es-MX" dirty="0" smtClean="0"/>
-              <a:t>Sugerencias: </a:t>
-            </a:r>
-          </a:p>
-          <a:p>
-            <a:pPr marL="342900" indent="-342900">
-              <a:buAutoNum type="arabicPeriod"/>
-            </a:pPr>
-            <a:r>
-              <a:rPr lang="es-MX" dirty="0"/>
-              <a:t>Utilice </a:t>
-            </a:r>
-            <a:r>
-              <a:rPr lang="es-MX" dirty="0" smtClean="0"/>
-              <a:t>imágenes de su aplicación que le sirvan para presentar el desarrollo.</a:t>
-            </a:r>
-            <a:endParaRPr lang="es-MX" dirty="0"/>
-          </a:p>
-        </p:txBody>
-      </p:sp>
+      </p:pic>
     </p:spTree>
     <p:extLst>
       <p:ext uri="{BB962C8B-B14F-4D97-AF65-F5344CB8AC3E}">
-        <p14:creationId xmlns:p14="http://schemas.microsoft.com/office/powerpoint/2010/main" val="3859499662"/>
+        <p14:creationId xmlns:p14="http://schemas.microsoft.com/office/powerpoint/2010/main" val="688281413"/>
       </p:ext>
     </p:extLst>
   </p:cSld>
@@ -4238,56 +4559,160 @@
             <p:ph type="title"/>
           </p:nvPr>
         </p:nvSpPr>
+        <p:spPr/>
+        <p:txBody>
+          <a:bodyPr>
+            <a:normAutofit fontScale="90000"/>
+          </a:bodyPr>
+          <a:lstStyle/>
+          <a:p>
+            <a:r>
+              <a:rPr lang="es-MX" dirty="0" smtClean="0"/>
+              <a:t>Consulta de productos, por local o todos</a:t>
+            </a:r>
+            <a:endParaRPr lang="es-CO" dirty="0"/>
+          </a:p>
+        </p:txBody>
+      </p:sp>
+      <p:pic>
+        <p:nvPicPr>
+          <p:cNvPr id="3" name="Picture 2" descr="2014-06-01 11.20.02.png"/>
+          <p:cNvPicPr>
+            <a:picLocks noChangeAspect="1"/>
+          </p:cNvPicPr>
+          <p:nvPr/>
+        </p:nvPicPr>
+        <p:blipFill>
+          <a:blip r:embed="rId2">
+            <a:extLst>
+              <a:ext uri="{28A0092B-C50C-407E-A947-70E740481C1C}">
+                <a14:useLocalDpi xmlns:a14="http://schemas.microsoft.com/office/drawing/2010/main" val="0"/>
+              </a:ext>
+            </a:extLst>
+          </a:blip>
+          <a:stretch>
+            <a:fillRect/>
+          </a:stretch>
+        </p:blipFill>
         <p:spPr>
           <a:xfrm>
-            <a:off x="457200" y="2850634"/>
-            <a:ext cx="8229600" cy="1143000"/>
-          </a:xfrm>
-        </p:spPr>
-        <p:txBody>
-          <a:bodyPr/>
-          <a:lstStyle/>
-          <a:p>
-            <a:r>
-              <a:rPr lang="es-MX" dirty="0" smtClean="0"/>
-              <a:t>GRACIAS</a:t>
-            </a:r>
-            <a:endParaRPr lang="es-CO" dirty="0"/>
-          </a:p>
-        </p:txBody>
-      </p:sp>
-      <p:sp>
-        <p:nvSpPr>
-          <p:cNvPr id="3" name="2 Rectángulo"/>
-          <p:cNvSpPr/>
-          <p:nvPr/>
-        </p:nvSpPr>
-        <p:spPr>
-          <a:xfrm>
-            <a:off x="1187624" y="4581128"/>
-            <a:ext cx="6744026" cy="1015663"/>
+            <a:off x="3179846" y="1772816"/>
+            <a:ext cx="2976330" cy="4464496"/>
           </a:xfrm>
           <a:prstGeom prst="rect">
             <a:avLst/>
           </a:prstGeom>
+          <a:ln>
+            <a:noFill/>
+          </a:ln>
+          <a:effectLst>
+            <a:outerShdw blurRad="292100" dist="139700" dir="2700000" algn="tl" rotWithShape="0">
+              <a:srgbClr val="333333">
+                <a:alpha val="65000"/>
+              </a:srgbClr>
+            </a:outerShdw>
+          </a:effectLst>
         </p:spPr>
-        <p:txBody>
-          <a:bodyPr wrap="none">
-            <a:spAutoFit/>
-          </a:bodyPr>
-          <a:lstStyle/>
-          <a:p>
-            <a:r>
-              <a:rPr lang="es-CO" sz="6000" b="1" dirty="0"/>
-              <a:t>http://bit.ly/U4lugQ</a:t>
-            </a:r>
-          </a:p>
-        </p:txBody>
-      </p:sp>
+      </p:pic>
     </p:spTree>
     <p:extLst>
       <p:ext uri="{BB962C8B-B14F-4D97-AF65-F5344CB8AC3E}">
-        <p14:creationId xmlns:p14="http://schemas.microsoft.com/office/powerpoint/2010/main" val="3993334498"/>
+        <p14:creationId xmlns:p14="http://schemas.microsoft.com/office/powerpoint/2010/main" val="3859499662"/>
+      </p:ext>
+    </p:extLst>
+  </p:cSld>
+  <p:clrMapOvr>
+    <a:masterClrMapping/>
+  </p:clrMapOvr>
+</p:sld>
+</file>
+
+<file path=ppt/slides/slide9.xml><?xml version="1.0" encoding="utf-8"?>
+<p:sld xmlns:a="http://schemas.openxmlformats.org/drawingml/2006/main" xmlns:r="http://schemas.openxmlformats.org/officeDocument/2006/relationships" xmlns:p="http://schemas.openxmlformats.org/presentationml/2006/main">
+  <p:cSld>
+    <p:spTree>
+      <p:nvGrpSpPr>
+        <p:cNvPr id="1" name=""/>
+        <p:cNvGrpSpPr/>
+        <p:nvPr/>
+      </p:nvGrpSpPr>
+      <p:grpSpPr>
+        <a:xfrm>
+          <a:off x="0" y="0"/>
+          <a:ext cx="0" cy="0"/>
+          <a:chOff x="0" y="0"/>
+          <a:chExt cx="0" cy="0"/>
+        </a:xfrm>
+      </p:grpSpPr>
+      <p:sp>
+        <p:nvSpPr>
+          <p:cNvPr id="2" name="1 Título"/>
+          <p:cNvSpPr>
+            <a:spLocks noGrp="1"/>
+          </p:cNvSpPr>
+          <p:nvPr>
+            <p:ph type="title"/>
+          </p:nvPr>
+        </p:nvSpPr>
+        <p:spPr/>
+        <p:txBody>
+          <a:bodyPr>
+            <a:normAutofit fontScale="90000"/>
+          </a:bodyPr>
+          <a:lstStyle/>
+          <a:p>
+            <a:r>
+              <a:rPr lang="es-MX" dirty="0" smtClean="0"/>
+              <a:t>Lista de compras personalizada y manejo de presupuesto</a:t>
+            </a:r>
+            <a:endParaRPr lang="es-CO" dirty="0"/>
+          </a:p>
+        </p:txBody>
+      </p:sp>
+      <p:pic>
+        <p:nvPicPr>
+          <p:cNvPr id="3" name="Picture 2" descr="2014-06-01 11.20.28.png"/>
+          <p:cNvPicPr>
+            <a:picLocks noChangeAspect="1"/>
+          </p:cNvPicPr>
+          <p:nvPr/>
+        </p:nvPicPr>
+        <p:blipFill>
+          <a:blip r:embed="rId2">
+            <a:extLst>
+              <a:ext uri="{28A0092B-C50C-407E-A947-70E740481C1C}">
+                <a14:useLocalDpi xmlns:a14="http://schemas.microsoft.com/office/drawing/2010/main" val="0"/>
+              </a:ext>
+            </a:extLst>
+          </a:blip>
+          <a:stretch>
+            <a:fillRect/>
+          </a:stretch>
+        </p:blipFill>
+        <p:spPr>
+          <a:xfrm>
+            <a:off x="3059832" y="1844824"/>
+            <a:ext cx="3006080" cy="4509120"/>
+          </a:xfrm>
+          <a:prstGeom prst="rect">
+            <a:avLst/>
+          </a:prstGeom>
+          <a:ln>
+            <a:noFill/>
+          </a:ln>
+          <a:effectLst>
+            <a:outerShdw blurRad="292100" dist="139700" dir="2700000" algn="tl" rotWithShape="0">
+              <a:srgbClr val="333333">
+                <a:alpha val="65000"/>
+              </a:srgbClr>
+            </a:outerShdw>
+          </a:effectLst>
+        </p:spPr>
+      </p:pic>
+    </p:spTree>
+    <p:extLst>
+      <p:ext uri="{BB962C8B-B14F-4D97-AF65-F5344CB8AC3E}">
+        <p14:creationId xmlns:p14="http://schemas.microsoft.com/office/powerpoint/2010/main" val="3859499662"/>
       </p:ext>
     </p:extLst>
   </p:cSld>

--- a/CorabastosUnClick.pptx
+++ b/CorabastosUnClick.pptx
@@ -342,7 +342,7 @@
           <a:p>
             <a:fld id="{A08CF031-B9CE-4114-B4B2-10F26177BA99}" type="slidenum">
               <a:rPr lang="es-CO" smtClean="0"/>
-              <a:t>‹#›</a:t>
+              <a:t>‹Nr.›</a:t>
             </a:fld>
             <a:endParaRPr lang="es-CO"/>
           </a:p>
@@ -512,7 +512,7 @@
           <a:p>
             <a:fld id="{A08CF031-B9CE-4114-B4B2-10F26177BA99}" type="slidenum">
               <a:rPr lang="es-CO" smtClean="0"/>
-              <a:t>‹#›</a:t>
+              <a:t>‹Nr.›</a:t>
             </a:fld>
             <a:endParaRPr lang="es-CO"/>
           </a:p>
@@ -692,7 +692,7 @@
           <a:p>
             <a:fld id="{A08CF031-B9CE-4114-B4B2-10F26177BA99}" type="slidenum">
               <a:rPr lang="es-CO" smtClean="0"/>
-              <a:t>‹#›</a:t>
+              <a:t>‹Nr.›</a:t>
             </a:fld>
             <a:endParaRPr lang="es-CO"/>
           </a:p>
@@ -862,7 +862,7 @@
           <a:p>
             <a:fld id="{A08CF031-B9CE-4114-B4B2-10F26177BA99}" type="slidenum">
               <a:rPr lang="es-CO" smtClean="0"/>
-              <a:t>‹#›</a:t>
+              <a:t>‹Nr.›</a:t>
             </a:fld>
             <a:endParaRPr lang="es-CO"/>
           </a:p>
@@ -1108,7 +1108,7 @@
           <a:p>
             <a:fld id="{A08CF031-B9CE-4114-B4B2-10F26177BA99}" type="slidenum">
               <a:rPr lang="es-CO" smtClean="0"/>
-              <a:t>‹#›</a:t>
+              <a:t>‹Nr.›</a:t>
             </a:fld>
             <a:endParaRPr lang="es-CO"/>
           </a:p>
@@ -1396,7 +1396,7 @@
           <a:p>
             <a:fld id="{A08CF031-B9CE-4114-B4B2-10F26177BA99}" type="slidenum">
               <a:rPr lang="es-CO" smtClean="0"/>
-              <a:t>‹#›</a:t>
+              <a:t>‹Nr.›</a:t>
             </a:fld>
             <a:endParaRPr lang="es-CO"/>
           </a:p>
@@ -1818,7 +1818,7 @@
           <a:p>
             <a:fld id="{A08CF031-B9CE-4114-B4B2-10F26177BA99}" type="slidenum">
               <a:rPr lang="es-CO" smtClean="0"/>
-              <a:t>‹#›</a:t>
+              <a:t>‹Nr.›</a:t>
             </a:fld>
             <a:endParaRPr lang="es-CO"/>
           </a:p>
@@ -1936,7 +1936,7 @@
           <a:p>
             <a:fld id="{A08CF031-B9CE-4114-B4B2-10F26177BA99}" type="slidenum">
               <a:rPr lang="es-CO" smtClean="0"/>
-              <a:t>‹#›</a:t>
+              <a:t>‹Nr.›</a:t>
             </a:fld>
             <a:endParaRPr lang="es-CO"/>
           </a:p>
@@ -2031,7 +2031,7 @@
           <a:p>
             <a:fld id="{A08CF031-B9CE-4114-B4B2-10F26177BA99}" type="slidenum">
               <a:rPr lang="es-CO" smtClean="0"/>
-              <a:t>‹#›</a:t>
+              <a:t>‹Nr.›</a:t>
             </a:fld>
             <a:endParaRPr lang="es-CO"/>
           </a:p>
@@ -2308,7 +2308,7 @@
           <a:p>
             <a:fld id="{A08CF031-B9CE-4114-B4B2-10F26177BA99}" type="slidenum">
               <a:rPr lang="es-CO" smtClean="0"/>
-              <a:t>‹#›</a:t>
+              <a:t>‹Nr.›</a:t>
             </a:fld>
             <a:endParaRPr lang="es-CO"/>
           </a:p>
@@ -2561,7 +2561,7 @@
           <a:p>
             <a:fld id="{A08CF031-B9CE-4114-B4B2-10F26177BA99}" type="slidenum">
               <a:rPr lang="es-CO" smtClean="0"/>
-              <a:t>‹#›</a:t>
+              <a:t>‹Nr.›</a:t>
             </a:fld>
             <a:endParaRPr lang="es-CO"/>
           </a:p>
@@ -2810,7 +2810,7 @@
           <a:p>
             <a:fld id="{A08CF031-B9CE-4114-B4B2-10F26177BA99}" type="slidenum">
               <a:rPr lang="es-CO" smtClean="0"/>
-              <a:t>‹#›</a:t>
+              <a:t>‹Nr.›</a:t>
             </a:fld>
             <a:endParaRPr lang="es-CO"/>
           </a:p>
@@ -3232,6 +3232,13 @@
   <p:clrMapOvr>
     <a:masterClrMapping/>
   </p:clrMapOvr>
+  <p:timing>
+    <p:tnLst>
+      <p:par>
+        <p:cTn xmlns:p14="http://schemas.microsoft.com/office/powerpoint/2010/main" id="1" dur="indefinite" restart="never" nodeType="tmRoot"/>
+      </p:par>
+    </p:tnLst>
+  </p:timing>
 </p:sld>
 </file>
 
@@ -3269,11 +3276,7 @@
           <a:p>
             <a:r>
               <a:rPr lang="es-MX" dirty="0" smtClean="0"/>
-              <a:t>Gesti</a:t>
-            </a:r>
-            <a:r>
-              <a:rPr lang="es-MX" dirty="0" smtClean="0"/>
-              <a:t>ón y registro de clientes</a:t>
+              <a:t>Gestión y registro de clientes</a:t>
             </a:r>
             <a:endParaRPr lang="es-CO" dirty="0"/>
           </a:p>
@@ -3406,11 +3409,7 @@
           <a:p>
             <a:r>
               <a:rPr lang="es-MX" dirty="0" smtClean="0"/>
-              <a:t>Noticias de inter</a:t>
-            </a:r>
-            <a:r>
-              <a:rPr lang="es-MX" dirty="0" smtClean="0"/>
-              <a:t>és</a:t>
+              <a:t>Noticias de interés</a:t>
             </a:r>
             <a:endParaRPr lang="es-CO" dirty="0"/>
           </a:p>
@@ -3738,11 +3737,7 @@
             </a:pPr>
             <a:r>
               <a:rPr lang="es-MX" sz="2400" b="1" dirty="0" smtClean="0"/>
-              <a:t>Dificil ubicaci</a:t>
-            </a:r>
-            <a:r>
-              <a:rPr lang="es-MX" sz="2400" b="1" dirty="0" smtClean="0"/>
-              <a:t>ón de locales, bodegas y productos.</a:t>
+              <a:t>Dificil ubicación de locales, bodegas y productos.</a:t>
             </a:r>
           </a:p>
           <a:p>
@@ -3895,6 +3890,13 @@
   <p:clrMapOvr>
     <a:masterClrMapping/>
   </p:clrMapOvr>
+  <p:timing>
+    <p:tnLst>
+      <p:par>
+        <p:cTn xmlns:p14="http://schemas.microsoft.com/office/powerpoint/2010/main" id="1" dur="indefinite" restart="never" nodeType="tmRoot"/>
+      </p:par>
+    </p:tnLst>
+  </p:timing>
 </p:sld>
 </file>
 
@@ -3975,11 +3977,7 @@
             </a:r>
             <a:r>
               <a:rPr lang="es-MX" sz="2400" b="1" dirty="0" smtClean="0"/>
-              <a:t>ntegrar la informaci</a:t>
-            </a:r>
-            <a:r>
-              <a:rPr lang="es-MX" sz="2400" b="1" dirty="0" smtClean="0"/>
-              <a:t>ón de los locales y bodegas.</a:t>
+              <a:t>ntegrar la información de los locales y bodegas.</a:t>
             </a:r>
           </a:p>
           <a:p>
@@ -3995,7 +3993,6 @@
               <a:rPr lang="es-MX" sz="2400" b="1" dirty="0" smtClean="0"/>
               <a:t>riterios de calidad a través de calificaciónes realizadas por los usuarios.</a:t>
             </a:r>
-            <a:endParaRPr lang="es-MX" sz="2400" b="1" dirty="0" smtClean="0"/>
           </a:p>
           <a:p>
             <a:pPr marL="342900" indent="-342900">
@@ -4058,7 +4055,7 @@
       </p:sp>
       <p:pic>
         <p:nvPicPr>
-          <p:cNvPr id="3" name="Picture 2" descr="2014-06-01 09.39.12.png"/>
+          <p:cNvPr id="5" name="Picture 6" descr="2014-06-01 11.26.13.png"/>
           <p:cNvPicPr>
             <a:picLocks noChangeAspect="1"/>
           </p:cNvPicPr>
@@ -4078,8 +4075,8 @@
         </p:blipFill>
         <p:spPr>
           <a:xfrm>
-            <a:off x="5652120" y="1268760"/>
-            <a:ext cx="3150096" cy="4725144"/>
+            <a:off x="5148064" y="1124744"/>
+            <a:ext cx="3294112" cy="4941168"/>
           </a:xfrm>
           <a:prstGeom prst="rect">
             <a:avLst/>
@@ -4106,6 +4103,13 @@
   <p:clrMapOvr>
     <a:masterClrMapping/>
   </p:clrMapOvr>
+  <p:timing>
+    <p:tnLst>
+      <p:par>
+        <p:cTn xmlns:p14="http://schemas.microsoft.com/office/powerpoint/2010/main" id="1" dur="indefinite" restart="never" nodeType="tmRoot"/>
+      </p:par>
+    </p:tnLst>
+  </p:timing>
 </p:sld>
 </file>
 
@@ -4194,6 +4198,13 @@
   <p:clrMapOvr>
     <a:masterClrMapping/>
   </p:clrMapOvr>
+  <p:timing>
+    <p:tnLst>
+      <p:par>
+        <p:cTn xmlns:p14="http://schemas.microsoft.com/office/powerpoint/2010/main" id="1" dur="indefinite" restart="never" nodeType="tmRoot"/>
+      </p:par>
+    </p:tnLst>
+  </p:timing>
 </p:sld>
 </file>
 
@@ -4233,11 +4244,7 @@
           <a:p>
             <a:r>
               <a:rPr lang="es-MX" dirty="0" smtClean="0"/>
-              <a:t>Consulta de ficha t</a:t>
-            </a:r>
-            <a:r>
-              <a:rPr lang="es-MX" dirty="0" smtClean="0"/>
-              <a:t>écnica de frutas y productos</a:t>
+              <a:t>Consulta de ficha técnica de frutas y productos</a:t>
             </a:r>
             <a:endParaRPr lang="es-CO" dirty="0"/>
           </a:p>
@@ -4293,6 +4300,13 @@
   <p:clrMapOvr>
     <a:masterClrMapping/>
   </p:clrMapOvr>
+  <p:timing>
+    <p:tnLst>
+      <p:par>
+        <p:cTn xmlns:p14="http://schemas.microsoft.com/office/powerpoint/2010/main" id="1" dur="indefinite" restart="never" nodeType="tmRoot"/>
+      </p:par>
+    </p:tnLst>
+  </p:timing>
 </p:sld>
 </file>
 
@@ -4330,11 +4344,7 @@
           <a:p>
             <a:r>
               <a:rPr lang="es-MX" dirty="0" smtClean="0"/>
-              <a:t>Consulta de locales y calificaci</a:t>
-            </a:r>
-            <a:r>
-              <a:rPr lang="es-MX" dirty="0" smtClean="0"/>
-              <a:t>ón</a:t>
+              <a:t>Consulta de locales y calificación</a:t>
             </a:r>
             <a:endParaRPr lang="es-CO" dirty="0"/>
           </a:p>
@@ -4469,11 +4479,7 @@
           <a:p>
             <a:r>
               <a:rPr lang="es-MX" dirty="0" smtClean="0"/>
-              <a:t>Visualizaci</a:t>
-            </a:r>
-            <a:r>
-              <a:rPr lang="es-MX" dirty="0" smtClean="0"/>
-              <a:t>ón de locales en el mapa de Corabastos</a:t>
+              <a:t>Visualización de locales en el mapa de Corabastos</a:t>
             </a:r>
             <a:endParaRPr lang="es-CO" dirty="0"/>
           </a:p>

--- a/CorabastosUnClick.pptx
+++ b/CorabastosUnClick.pptx
@@ -3119,14 +3119,16 @@
         </p:nvSpPr>
         <p:spPr/>
         <p:txBody>
-          <a:bodyPr/>
-          <a:lstStyle/>
-          <a:p>
-            <a:r>
-              <a:rPr lang="es-MX" dirty="0" smtClean="0"/>
+          <a:bodyPr>
+            <a:normAutofit/>
+          </a:bodyPr>
+          <a:lstStyle/>
+          <a:p>
+            <a:r>
+              <a:rPr lang="es-MX" sz="5400" dirty="0" smtClean="0"/>
               <a:t>Corabastos a un click</a:t>
             </a:r>
-            <a:endParaRPr lang="es-CO" dirty="0"/>
+            <a:endParaRPr lang="es-CO" sz="5400" dirty="0"/>
           </a:p>
         </p:txBody>
       </p:sp>
@@ -3142,14 +3144,16 @@
         </p:nvSpPr>
         <p:spPr/>
         <p:txBody>
-          <a:bodyPr/>
-          <a:lstStyle/>
-          <a:p>
-            <a:r>
-              <a:rPr lang="es-MX" dirty="0" smtClean="0"/>
+          <a:bodyPr>
+            <a:normAutofit/>
+          </a:bodyPr>
+          <a:lstStyle/>
+          <a:p>
+            <a:r>
+              <a:rPr lang="es-MX" sz="3600" dirty="0" smtClean="0"/>
               <a:t>S - Developers</a:t>
             </a:r>
-            <a:endParaRPr lang="es-CO" dirty="0"/>
+            <a:endParaRPr lang="es-CO" sz="3600" dirty="0"/>
           </a:p>
         </p:txBody>
       </p:sp>
@@ -3372,6 +3376,13 @@
   <p:clrMapOvr>
     <a:masterClrMapping/>
   </p:clrMapOvr>
+  <p:timing>
+    <p:tnLst>
+      <p:par>
+        <p:cTn xmlns:p14="http://schemas.microsoft.com/office/powerpoint/2010/main" id="1" dur="indefinite" restart="never" nodeType="tmRoot"/>
+      </p:par>
+    </p:tnLst>
+  </p:timing>
 </p:sld>
 </file>
 
@@ -3465,6 +3476,13 @@
   <p:clrMapOvr>
     <a:masterClrMapping/>
   </p:clrMapOvr>
+  <p:timing>
+    <p:tnLst>
+      <p:par>
+        <p:cTn xmlns:p14="http://schemas.microsoft.com/office/powerpoint/2010/main" id="1" dur="indefinite" restart="never" nodeType="tmRoot"/>
+      </p:par>
+    </p:tnLst>
+  </p:timing>
 </p:sld>
 </file>
 
@@ -3566,6 +3584,13 @@
   <p:clrMapOvr>
     <a:masterClrMapping/>
   </p:clrMapOvr>
+  <p:timing>
+    <p:tnLst>
+      <p:par>
+        <p:cTn xmlns:p14="http://schemas.microsoft.com/office/powerpoint/2010/main" id="1" dur="indefinite" restart="never" nodeType="tmRoot"/>
+      </p:par>
+    </p:tnLst>
+  </p:timing>
 </p:sld>
 </file>
 
@@ -3666,6 +3691,13 @@
   <p:clrMapOvr>
     <a:masterClrMapping/>
   </p:clrMapOvr>
+  <p:timing>
+    <p:tnLst>
+      <p:par>
+        <p:cTn xmlns:p14="http://schemas.microsoft.com/office/powerpoint/2010/main" id="1" dur="indefinite" restart="never" nodeType="tmRoot"/>
+      </p:par>
+    </p:tnLst>
+  </p:timing>
 </p:sld>
 </file>
 
@@ -3718,7 +3750,7 @@
         <p:spPr>
           <a:xfrm>
             <a:off x="611560" y="1556792"/>
-            <a:ext cx="4176464" cy="4154983"/>
+            <a:ext cx="4176464" cy="4278094"/>
           </a:xfrm>
           <a:prstGeom prst="rect">
             <a:avLst/>
@@ -3732,55 +3764,111 @@
           <a:lstStyle/>
           <a:p>
             <a:pPr marL="342900" indent="-342900">
-              <a:buFont typeface="Arial"/>
-              <a:buChar char="•"/>
+              <a:buFont typeface="Wingdings" charset="2"/>
+              <a:buChar char="ü"/>
             </a:pPr>
             <a:r>
-              <a:rPr lang="es-MX" sz="2400" b="1" dirty="0" smtClean="0"/>
-              <a:t>Dificil ubicación de locales, bodegas y productos.</a:t>
-            </a:r>
+              <a:rPr lang="es-MX" sz="2800" b="1" dirty="0" smtClean="0"/>
+              <a:t>Dif</a:t>
+            </a:r>
+            <a:r>
+              <a:rPr lang="cs-CZ" sz="2800" b="1" dirty="0" err="1"/>
+              <a:t>í</a:t>
+            </a:r>
+            <a:r>
+              <a:rPr lang="es-MX" sz="2800" b="1" dirty="0" smtClean="0"/>
+              <a:t>cil ubicación</a:t>
+            </a:r>
+          </a:p>
+          <a:p>
+            <a:endParaRPr lang="es-MX" sz="2800" b="1" dirty="0" smtClean="0"/>
           </a:p>
           <a:p>
             <a:pPr marL="342900" indent="-342900">
-              <a:buFont typeface="Arial"/>
-              <a:buChar char="•"/>
+              <a:buFont typeface="Wingdings" charset="2"/>
+              <a:buChar char="ü"/>
             </a:pPr>
             <a:r>
-              <a:rPr lang="en-US" sz="2400" b="1" dirty="0" smtClean="0"/>
+              <a:rPr lang="en-US" sz="2800" b="1" dirty="0" smtClean="0"/>
               <a:t>D</a:t>
             </a:r>
             <a:r>
-              <a:rPr lang="es-MX" sz="2400" b="1" dirty="0" smtClean="0"/>
-              <a:t>esconocimiento de los precios actuales.</a:t>
-            </a:r>
+              <a:rPr lang="es-MX" sz="2800" b="1" dirty="0" smtClean="0"/>
+              <a:t>esconocimiento de precios</a:t>
+            </a:r>
+            <a:endParaRPr lang="es-MX" sz="2800" b="1" dirty="0" smtClean="0"/>
           </a:p>
           <a:p>
             <a:pPr marL="342900" indent="-342900">
-              <a:buFont typeface="Arial"/>
-              <a:buChar char="•"/>
+              <a:buFont typeface="Wingdings" charset="2"/>
+              <a:buChar char="ü"/>
             </a:pPr>
-            <a:r>
-              <a:rPr lang="en-US" sz="2400" b="1" dirty="0" smtClean="0"/>
+            <a:endParaRPr lang="en-US" sz="2800" b="1" dirty="0" smtClean="0"/>
+          </a:p>
+          <a:p>
+            <a:pPr marL="342900" indent="-342900">
+              <a:buFont typeface="Wingdings" charset="2"/>
+              <a:buChar char="ü"/>
+            </a:pPr>
+            <a:r>
+              <a:rPr lang="en-US" sz="2800" b="1" dirty="0" smtClean="0"/>
               <a:t>P</a:t>
             </a:r>
             <a:r>
-              <a:rPr lang="es-MX" sz="2400" b="1" dirty="0" smtClean="0"/>
-              <a:t>erdida de tiempo por falta de una planificación de compras adecuada.</a:t>
-            </a:r>
+              <a:rPr lang="es-ES" sz="2800" b="1" dirty="0"/>
+              <a:t>é</a:t>
+            </a:r>
+            <a:r>
+              <a:rPr lang="es-MX" sz="2800" b="1" dirty="0" smtClean="0"/>
+              <a:t>rdida </a:t>
+            </a:r>
+            <a:r>
+              <a:rPr lang="es-MX" sz="2800" b="1" dirty="0" smtClean="0"/>
+              <a:t>de tiempo </a:t>
+            </a:r>
+            <a:endParaRPr lang="es-MX" sz="2800" b="1" dirty="0" smtClean="0"/>
           </a:p>
           <a:p>
             <a:pPr marL="342900" indent="-342900">
-              <a:buFont typeface="Arial"/>
-              <a:buChar char="•"/>
+              <a:buFont typeface="Wingdings" charset="2"/>
+              <a:buChar char="ü"/>
             </a:pPr>
-            <a:r>
-              <a:rPr lang="en-US" sz="2400" b="1" dirty="0" smtClean="0"/>
-              <a:t>N</a:t>
-            </a:r>
-            <a:r>
-              <a:rPr lang="es-MX" sz="2400" b="1" dirty="0" smtClean="0"/>
-              <a:t>o existe forma de fidelizar clientes.</a:t>
-            </a:r>
+            <a:endParaRPr lang="es-MX" sz="2800" b="1" dirty="0"/>
+          </a:p>
+          <a:p>
+            <a:pPr marL="342900" indent="-342900">
+              <a:buFont typeface="Wingdings" charset="2"/>
+              <a:buChar char="ü"/>
+            </a:pPr>
+            <a:r>
+              <a:rPr lang="en-US" sz="2800" b="1" dirty="0" err="1" smtClean="0"/>
+              <a:t>Falta</a:t>
+            </a:r>
+            <a:r>
+              <a:rPr lang="en-US" sz="2800" b="1" dirty="0" smtClean="0"/>
+              <a:t> </a:t>
+            </a:r>
+            <a:r>
+              <a:rPr lang="en-US" sz="2800" b="1" dirty="0" err="1"/>
+              <a:t>f</a:t>
+            </a:r>
+            <a:r>
+              <a:rPr lang="en-US" sz="2800" b="1" dirty="0" err="1" smtClean="0"/>
+              <a:t>idelizar</a:t>
+            </a:r>
+            <a:r>
+              <a:rPr lang="en-US" sz="2800" b="1" dirty="0" smtClean="0"/>
+              <a:t> </a:t>
+            </a:r>
+            <a:r>
+              <a:rPr lang="en-US" sz="2800" b="1" dirty="0" err="1"/>
+              <a:t>c</a:t>
+            </a:r>
+            <a:r>
+              <a:rPr lang="en-US" sz="2800" b="1" dirty="0" err="1" smtClean="0"/>
+              <a:t>lientes</a:t>
+            </a:r>
+            <a:endParaRPr lang="es-MX" sz="2800" b="1" dirty="0" smtClean="0"/>
           </a:p>
           <a:p>
             <a:pPr marL="342900" indent="-342900">
@@ -3820,8 +3908,8 @@
         </p:blipFill>
         <p:spPr>
           <a:xfrm>
-            <a:off x="6012160" y="1698400"/>
-            <a:ext cx="1950369" cy="2018632"/>
+            <a:off x="5652120" y="1844824"/>
+            <a:ext cx="2520280" cy="2018632"/>
           </a:xfrm>
           <a:prstGeom prst="rect">
             <a:avLst/>
@@ -3862,8 +3950,8 @@
         </p:blipFill>
         <p:spPr>
           <a:xfrm>
-            <a:off x="4932040" y="4077073"/>
-            <a:ext cx="4026519" cy="2016224"/>
+            <a:off x="4793952" y="3717032"/>
+            <a:ext cx="4170536" cy="2232248"/>
           </a:xfrm>
           <a:prstGeom prst="rect">
             <a:avLst/>
@@ -3953,8 +4041,8 @@
         </p:nvSpPr>
         <p:spPr>
           <a:xfrm>
-            <a:off x="251520" y="980728"/>
-            <a:ext cx="5040560" cy="4893647"/>
+            <a:off x="395536" y="1196752"/>
+            <a:ext cx="4896544" cy="4524315"/>
           </a:xfrm>
           <a:prstGeom prst="rect">
             <a:avLst/>
@@ -3968,8 +4056,15 @@
           <a:lstStyle/>
           <a:p>
             <a:pPr marL="342900" indent="-342900">
-              <a:buFont typeface="Arial"/>
-              <a:buChar char="•"/>
+              <a:buFont typeface="Wingdings" charset="2"/>
+              <a:buChar char="ü"/>
+            </a:pPr>
+            <a:endParaRPr lang="en-US" sz="2400" b="1" dirty="0" smtClean="0"/>
+          </a:p>
+          <a:p>
+            <a:pPr marL="342900" indent="-342900">
+              <a:buFont typeface="Wingdings" charset="2"/>
+              <a:buChar char="ü"/>
             </a:pPr>
             <a:r>
               <a:rPr lang="en-US" sz="2400" b="1" dirty="0" smtClean="0"/>
@@ -3977,13 +4072,24 @@
             </a:r>
             <a:r>
               <a:rPr lang="es-MX" sz="2400" b="1" dirty="0" smtClean="0"/>
-              <a:t>ntegrar la información de los locales y bodegas.</a:t>
-            </a:r>
+              <a:t>ntegrar </a:t>
+            </a:r>
+            <a:r>
+              <a:rPr lang="es-MX" sz="2400" b="1" dirty="0" smtClean="0"/>
+              <a:t>la </a:t>
+            </a:r>
+            <a:r>
+              <a:rPr lang="es-MX" sz="2400" b="1" dirty="0" smtClean="0"/>
+              <a:t>información</a:t>
+            </a:r>
+          </a:p>
+          <a:p>
+            <a:endParaRPr lang="es-MX" sz="2400" b="1" dirty="0" smtClean="0"/>
           </a:p>
           <a:p>
             <a:pPr marL="342900" indent="-342900">
-              <a:buFont typeface="Arial"/>
-              <a:buChar char="•"/>
+              <a:buFont typeface="Wingdings" charset="2"/>
+              <a:buChar char="ü"/>
             </a:pPr>
             <a:r>
               <a:rPr lang="en-US" sz="2400" b="1" dirty="0" smtClean="0"/>
@@ -3991,27 +4097,47 @@
             </a:r>
             <a:r>
               <a:rPr lang="es-MX" sz="2400" b="1" dirty="0" smtClean="0"/>
-              <a:t>riterios de calidad a través de calificaciónes realizadas por los usuarios.</a:t>
-            </a:r>
+              <a:t>riterios de calidad </a:t>
+            </a:r>
+            <a:endParaRPr lang="es-MX" sz="2400" b="1" dirty="0" smtClean="0"/>
           </a:p>
           <a:p>
             <a:pPr marL="342900" indent="-342900">
-              <a:buFont typeface="Arial"/>
-              <a:buChar char="•"/>
+              <a:buFont typeface="Wingdings" charset="2"/>
+              <a:buChar char="ü"/>
             </a:pPr>
-            <a:r>
-              <a:rPr lang="en-US" sz="2400" b="1" dirty="0" smtClean="0"/>
-              <a:t>F</a:t>
-            </a:r>
-            <a:r>
-              <a:rPr lang="es-MX" sz="2400" b="1" dirty="0" smtClean="0"/>
-              <a:t>acil ubicación y mayor fluidez de personas.</a:t>
-            </a:r>
+            <a:endParaRPr lang="es-MX" sz="2400" b="1" dirty="0"/>
           </a:p>
           <a:p>
             <a:pPr marL="342900" indent="-342900">
-              <a:buFont typeface="Arial"/>
-              <a:buChar char="•"/>
+              <a:buFont typeface="Wingdings" charset="2"/>
+              <a:buChar char="ü"/>
+            </a:pPr>
+            <a:r>
+              <a:rPr lang="en-US" sz="2400" b="1" dirty="0" err="1" smtClean="0"/>
+              <a:t>Ubicaci</a:t>
+            </a:r>
+            <a:r>
+              <a:rPr lang="es-ES" sz="2400" b="1" dirty="0" err="1" smtClean="0"/>
+              <a:t>ón</a:t>
+            </a:r>
+            <a:r>
+              <a:rPr lang="es-ES" sz="2400" b="1" dirty="0" smtClean="0"/>
+              <a:t> por mapa</a:t>
+            </a:r>
+            <a:endParaRPr lang="es-MX" sz="2400" b="1" dirty="0" smtClean="0"/>
+          </a:p>
+          <a:p>
+            <a:pPr marL="342900" indent="-342900">
+              <a:buFont typeface="Wingdings" charset="2"/>
+              <a:buChar char="ü"/>
+            </a:pPr>
+            <a:endParaRPr lang="es-MX" sz="2400" b="1" dirty="0" smtClean="0"/>
+          </a:p>
+          <a:p>
+            <a:pPr marL="342900" indent="-342900">
+              <a:buFont typeface="Wingdings" charset="2"/>
+              <a:buChar char="ü"/>
             </a:pPr>
             <a:r>
               <a:rPr lang="en-US" sz="2400" b="1" dirty="0" smtClean="0"/>
@@ -4019,35 +4145,59 @@
             </a:r>
             <a:r>
               <a:rPr lang="es-MX" sz="2400" b="1" dirty="0" smtClean="0"/>
-              <a:t>istas de compras personalizadas desde el hogar y manejo de presupuesto.</a:t>
-            </a:r>
+              <a:t>istas de </a:t>
+            </a:r>
+            <a:r>
+              <a:rPr lang="es-MX" sz="2400" b="1" dirty="0" smtClean="0"/>
+              <a:t>compras y presupuesto</a:t>
+            </a:r>
+            <a:endParaRPr lang="es-MX" sz="2400" b="1" dirty="0" smtClean="0"/>
           </a:p>
           <a:p>
             <a:pPr marL="342900" indent="-342900">
-              <a:buFont typeface="Arial"/>
-              <a:buChar char="•"/>
+              <a:buFont typeface="Wingdings" charset="2"/>
+              <a:buChar char="ü"/>
             </a:pPr>
+            <a:endParaRPr lang="en-US" sz="2400" b="1" dirty="0" smtClean="0"/>
+          </a:p>
+          <a:p>
+            <a:pPr marL="342900" indent="-342900">
+              <a:buFont typeface="Wingdings" charset="2"/>
+              <a:buChar char="ü"/>
+            </a:pPr>
+            <a:r>
+              <a:rPr lang="en-US" sz="2400" b="1" dirty="0" err="1" smtClean="0"/>
+              <a:t>Fidelizaci</a:t>
+            </a:r>
+            <a:r>
+              <a:rPr lang="es-ES" sz="2400" b="1" dirty="0"/>
+              <a:t>ó</a:t>
+            </a:r>
             <a:r>
               <a:rPr lang="en-US" sz="2400" b="1" dirty="0" smtClean="0"/>
-              <a:t>G</a:t>
-            </a:r>
-            <a:r>
-              <a:rPr lang="es-MX" sz="2400" b="1" dirty="0" smtClean="0"/>
-              <a:t>estión de clientes para el vendedor.</a:t>
-            </a:r>
+              <a:t>n de </a:t>
+            </a:r>
+            <a:r>
+              <a:rPr lang="en-US" sz="2400" b="1" dirty="0" err="1" smtClean="0"/>
+              <a:t>clientes</a:t>
+            </a:r>
+            <a:endParaRPr lang="en-US" sz="2400" b="1" dirty="0" smtClean="0"/>
           </a:p>
           <a:p>
             <a:pPr marL="342900" indent="-342900">
-              <a:buFont typeface="Arial"/>
-              <a:buChar char="•"/>
+              <a:buFont typeface="Wingdings" charset="2"/>
+              <a:buChar char="ü"/>
             </a:pPr>
-            <a:r>
-              <a:rPr lang="en-US" sz="2400" b="1" dirty="0" smtClean="0"/>
-              <a:t>U</a:t>
-            </a:r>
-            <a:r>
-              <a:rPr lang="es-MX" sz="2400" b="1" dirty="0" smtClean="0"/>
-              <a:t>ltimas noticias de interés.</a:t>
+            <a:endParaRPr lang="en-US" sz="2400" b="1" dirty="0"/>
+          </a:p>
+          <a:p>
+            <a:pPr marL="342900" indent="-342900">
+              <a:buFont typeface="Wingdings" charset="2"/>
+              <a:buChar char="ü"/>
+            </a:pPr>
+            <a:r>
+              <a:rPr lang="en-US" sz="2400" b="1" dirty="0" err="1" smtClean="0"/>
+              <a:t>Noticias</a:t>
             </a:r>
             <a:endParaRPr lang="es-CO" sz="2400" b="1" dirty="0"/>
           </a:p>
@@ -4075,7 +4225,7 @@
         </p:blipFill>
         <p:spPr>
           <a:xfrm>
-            <a:off x="5148064" y="1124744"/>
+            <a:off x="5436096" y="1124744"/>
             <a:ext cx="3294112" cy="4941168"/>
           </a:xfrm>
           <a:prstGeom prst="rect">
@@ -4440,6 +4590,13 @@
   <p:clrMapOvr>
     <a:masterClrMapping/>
   </p:clrMapOvr>
+  <p:timing>
+    <p:tnLst>
+      <p:par>
+        <p:cTn xmlns:p14="http://schemas.microsoft.com/office/powerpoint/2010/main" id="1" dur="indefinite" restart="never" nodeType="tmRoot"/>
+      </p:par>
+    </p:tnLst>
+  </p:timing>
 </p:sld>
 </file>
 
@@ -4535,6 +4692,13 @@
   <p:clrMapOvr>
     <a:masterClrMapping/>
   </p:clrMapOvr>
+  <p:timing>
+    <p:tnLst>
+      <p:par>
+        <p:cTn xmlns:p14="http://schemas.microsoft.com/office/powerpoint/2010/main" id="1" dur="indefinite" restart="never" nodeType="tmRoot"/>
+      </p:par>
+    </p:tnLst>
+  </p:timing>
 </p:sld>
 </file>
 
@@ -4630,6 +4794,13 @@
   <p:clrMapOvr>
     <a:masterClrMapping/>
   </p:clrMapOvr>
+  <p:timing>
+    <p:tnLst>
+      <p:par>
+        <p:cTn xmlns:p14="http://schemas.microsoft.com/office/powerpoint/2010/main" id="1" dur="indefinite" restart="never" nodeType="tmRoot"/>
+      </p:par>
+    </p:tnLst>
+  </p:timing>
 </p:sld>
 </file>
 
@@ -4725,6 +4896,13 @@
   <p:clrMapOvr>
     <a:masterClrMapping/>
   </p:clrMapOvr>
+  <p:timing>
+    <p:tnLst>
+      <p:par>
+        <p:cTn xmlns:p14="http://schemas.microsoft.com/office/powerpoint/2010/main" id="1" dur="indefinite" restart="never" nodeType="tmRoot"/>
+      </p:par>
+    </p:tnLst>
+  </p:timing>
 </p:sld>
 </file>
 
